--- a/Documentation/Adaptation concepts.pptx
+++ b/Documentation/Adaptation concepts.pptx
@@ -15,6 +15,7 @@
     <p:sldId id="259" r:id="rId9"/>
     <p:sldId id="260" r:id="rId10"/>
     <p:sldId id="261" r:id="rId11"/>
+    <p:sldId id="266" r:id="rId12"/>
   </p:sldIdLst>
   <p:sldSz cx="12192000" cy="6858000"/>
   <p:notesSz cx="6858000" cy="9144000"/>
@@ -113,6 +114,11 @@
       </a:defRPr>
     </a:lvl9pPr>
   </p:defaultTextStyle>
+  <p:extLst>
+    <p:ext uri="{EFAFB233-063F-42B5-8137-9DF3F51BA10A}">
+      <p15:sldGuideLst xmlns:p15="http://schemas.microsoft.com/office/powerpoint/2012/main"/>
+    </p:ext>
+  </p:extLst>
 </p:presentation>
 </file>
 
@@ -284,7 +290,7 @@
           <a:p>
             <a:fld id="{F22D5B1E-1EBC-40C9-93C3-CD5C17527048}" type="datetimeFigureOut">
               <a:rPr lang="ru-RU" smtClean="0"/>
-              <a:t>07.12.2021</a:t>
+              <a:t>08.12.2021</a:t>
             </a:fld>
             <a:endParaRPr lang="ru-RU"/>
           </a:p>
@@ -512,7 +518,7 @@
           <a:p>
             <a:fld id="{F22D5B1E-1EBC-40C9-93C3-CD5C17527048}" type="datetimeFigureOut">
               <a:rPr lang="ru-RU" smtClean="0"/>
-              <a:t>07.12.2021</a:t>
+              <a:t>08.12.2021</a:t>
             </a:fld>
             <a:endParaRPr lang="ru-RU"/>
           </a:p>
@@ -692,7 +698,7 @@
           <a:p>
             <a:fld id="{F22D5B1E-1EBC-40C9-93C3-CD5C17527048}" type="datetimeFigureOut">
               <a:rPr lang="ru-RU" smtClean="0"/>
-              <a:t>07.12.2021</a:t>
+              <a:t>08.12.2021</a:t>
             </a:fld>
             <a:endParaRPr lang="ru-RU"/>
           </a:p>
@@ -862,7 +868,7 @@
           <a:p>
             <a:fld id="{F22D5B1E-1EBC-40C9-93C3-CD5C17527048}" type="datetimeFigureOut">
               <a:rPr lang="ru-RU" smtClean="0"/>
-              <a:t>07.12.2021</a:t>
+              <a:t>08.12.2021</a:t>
             </a:fld>
             <a:endParaRPr lang="ru-RU"/>
           </a:p>
@@ -1116,7 +1122,7 @@
           <a:p>
             <a:fld id="{F22D5B1E-1EBC-40C9-93C3-CD5C17527048}" type="datetimeFigureOut">
               <a:rPr lang="ru-RU" smtClean="0"/>
-              <a:t>07.12.2021</a:t>
+              <a:t>08.12.2021</a:t>
             </a:fld>
             <a:endParaRPr lang="ru-RU"/>
           </a:p>
@@ -1442,7 +1448,7 @@
           <a:p>
             <a:fld id="{F22D5B1E-1EBC-40C9-93C3-CD5C17527048}" type="datetimeFigureOut">
               <a:rPr lang="ru-RU" smtClean="0"/>
-              <a:t>07.12.2021</a:t>
+              <a:t>08.12.2021</a:t>
             </a:fld>
             <a:endParaRPr lang="ru-RU"/>
           </a:p>
@@ -1893,7 +1899,7 @@
           <a:p>
             <a:fld id="{F22D5B1E-1EBC-40C9-93C3-CD5C17527048}" type="datetimeFigureOut">
               <a:rPr lang="ru-RU" smtClean="0"/>
-              <a:t>07.12.2021</a:t>
+              <a:t>08.12.2021</a:t>
             </a:fld>
             <a:endParaRPr lang="ru-RU"/>
           </a:p>
@@ -2011,7 +2017,7 @@
           <a:p>
             <a:fld id="{F22D5B1E-1EBC-40C9-93C3-CD5C17527048}" type="datetimeFigureOut">
               <a:rPr lang="ru-RU" smtClean="0"/>
-              <a:t>07.12.2021</a:t>
+              <a:t>08.12.2021</a:t>
             </a:fld>
             <a:endParaRPr lang="ru-RU"/>
           </a:p>
@@ -2106,7 +2112,7 @@
           <a:p>
             <a:fld id="{F22D5B1E-1EBC-40C9-93C3-CD5C17527048}" type="datetimeFigureOut">
               <a:rPr lang="ru-RU" smtClean="0"/>
-              <a:t>07.12.2021</a:t>
+              <a:t>08.12.2021</a:t>
             </a:fld>
             <a:endParaRPr lang="ru-RU"/>
           </a:p>
@@ -2393,7 +2399,7 @@
           <a:p>
             <a:fld id="{F22D5B1E-1EBC-40C9-93C3-CD5C17527048}" type="datetimeFigureOut">
               <a:rPr lang="ru-RU" smtClean="0"/>
-              <a:t>07.12.2021</a:t>
+              <a:t>08.12.2021</a:t>
             </a:fld>
             <a:endParaRPr lang="ru-RU"/>
           </a:p>
@@ -2715,7 +2721,7 @@
           <a:p>
             <a:fld id="{F22D5B1E-1EBC-40C9-93C3-CD5C17527048}" type="datetimeFigureOut">
               <a:rPr lang="ru-RU" smtClean="0"/>
-              <a:t>07.12.2021</a:t>
+              <a:t>08.12.2021</a:t>
             </a:fld>
             <a:endParaRPr lang="ru-RU"/>
           </a:p>
@@ -2969,7 +2975,7 @@
           <a:p>
             <a:fld id="{F22D5B1E-1EBC-40C9-93C3-CD5C17527048}" type="datetimeFigureOut">
               <a:rPr lang="ru-RU" smtClean="0"/>
-              <a:t>07.12.2021</a:t>
+              <a:t>08.12.2021</a:t>
             </a:fld>
             <a:endParaRPr lang="ru-RU"/>
           </a:p>
@@ -3568,41 +3574,147 @@
           <a:p>
             <a:r>
               <a:rPr lang="en-US" dirty="0"/>
-              <a:t>MAPE-K</a:t>
+              <a:t>MAPE-K for Connectivity and Offline Challenge</a:t>
             </a:r>
             <a:endParaRPr lang="ru-RU" dirty="0"/>
           </a:p>
         </p:txBody>
       </p:sp>
-      <p:sp>
-        <p:nvSpPr>
-          <p:cNvPr id="3" name="Объект 2">
+      <p:pic>
+        <p:nvPicPr>
+          <p:cNvPr id="5" name="Рисунок 4">
             <a:extLst>
               <a:ext uri="{FF2B5EF4-FFF2-40B4-BE49-F238E27FC236}">
-                <a16:creationId xmlns:a16="http://schemas.microsoft.com/office/drawing/2014/main" id="{CC39EC80-9736-4D35-B64A-E9E7184E0D27}"/>
+                <a16:creationId xmlns:a16="http://schemas.microsoft.com/office/drawing/2014/main" id="{E294AB1C-2235-4455-9B36-CDFAD0E0A636}"/>
               </a:ext>
             </a:extLst>
           </p:cNvPr>
-          <p:cNvSpPr>
-            <a:spLocks noGrp="1"/>
-          </p:cNvSpPr>
-          <p:nvPr>
-            <p:ph idx="1"/>
-          </p:nvPr>
-        </p:nvSpPr>
-        <p:spPr/>
-        <p:txBody>
-          <a:bodyPr/>
-          <a:lstStyle/>
-          <a:p>
-            <a:endParaRPr lang="ru-RU" dirty="0"/>
-          </a:p>
-        </p:txBody>
-      </p:sp>
+          <p:cNvPicPr>
+            <a:picLocks noChangeAspect="1"/>
+          </p:cNvPicPr>
+          <p:nvPr/>
+        </p:nvPicPr>
+        <p:blipFill>
+          <a:blip r:embed="rId2">
+            <a:extLst>
+              <a:ext uri="{28A0092B-C50C-407E-A947-70E740481C1C}">
+                <a14:useLocalDpi xmlns:a14="http://schemas.microsoft.com/office/drawing/2010/main" val="0"/>
+              </a:ext>
+            </a:extLst>
+          </a:blip>
+          <a:stretch>
+            <a:fillRect/>
+          </a:stretch>
+        </p:blipFill>
+        <p:spPr>
+          <a:xfrm>
+            <a:off x="1990742" y="1691322"/>
+            <a:ext cx="7789363" cy="5059885"/>
+          </a:xfrm>
+          <a:prstGeom prst="rect">
+            <a:avLst/>
+          </a:prstGeom>
+        </p:spPr>
+      </p:pic>
     </p:spTree>
     <p:extLst>
       <p:ext uri="{BB962C8B-B14F-4D97-AF65-F5344CB8AC3E}">
         <p14:creationId xmlns:p14="http://schemas.microsoft.com/office/powerpoint/2010/main" val="3063466784"/>
+      </p:ext>
+    </p:extLst>
+  </p:cSld>
+  <p:clrMapOvr>
+    <a:masterClrMapping/>
+  </p:clrMapOvr>
+</p:sld>
+</file>
+
+<file path=ppt/slides/slide11.xml><?xml version="1.0" encoding="utf-8"?>
+<p:sld xmlns:a="http://schemas.openxmlformats.org/drawingml/2006/main" xmlns:r="http://schemas.openxmlformats.org/officeDocument/2006/relationships" xmlns:p="http://schemas.openxmlformats.org/presentationml/2006/main">
+  <p:cSld>
+    <p:spTree>
+      <p:nvGrpSpPr>
+        <p:cNvPr id="1" name=""/>
+        <p:cNvGrpSpPr/>
+        <p:nvPr/>
+      </p:nvGrpSpPr>
+      <p:grpSpPr>
+        <a:xfrm>
+          <a:off x="0" y="0"/>
+          <a:ext cx="0" cy="0"/>
+          <a:chOff x="0" y="0"/>
+          <a:chExt cx="0" cy="0"/>
+        </a:xfrm>
+      </p:grpSpPr>
+      <p:sp>
+        <p:nvSpPr>
+          <p:cNvPr id="2" name="Заголовок 1">
+            <a:extLst>
+              <a:ext uri="{FF2B5EF4-FFF2-40B4-BE49-F238E27FC236}">
+                <a16:creationId xmlns:a16="http://schemas.microsoft.com/office/drawing/2014/main" id="{BEEBFC87-214A-40A8-9AA2-A379068BFC35}"/>
+              </a:ext>
+            </a:extLst>
+          </p:cNvPr>
+          <p:cNvSpPr>
+            <a:spLocks noGrp="1"/>
+          </p:cNvSpPr>
+          <p:nvPr>
+            <p:ph type="title"/>
+          </p:nvPr>
+        </p:nvSpPr>
+        <p:spPr/>
+        <p:txBody>
+          <a:bodyPr/>
+          <a:lstStyle/>
+          <a:p>
+            <a:r>
+              <a:rPr lang="en-US" dirty="0"/>
+              <a:t>MAPE-K for Energy Challenge</a:t>
+            </a:r>
+            <a:endParaRPr lang="ru-RU" dirty="0"/>
+          </a:p>
+        </p:txBody>
+      </p:sp>
+      <p:pic>
+        <p:nvPicPr>
+          <p:cNvPr id="4" name="Рисунок 3">
+            <a:extLst>
+              <a:ext uri="{FF2B5EF4-FFF2-40B4-BE49-F238E27FC236}">
+                <a16:creationId xmlns:a16="http://schemas.microsoft.com/office/drawing/2014/main" id="{93D424B3-A98E-4D14-833B-AB59061E7634}"/>
+              </a:ext>
+            </a:extLst>
+          </p:cNvPr>
+          <p:cNvPicPr>
+            <a:picLocks noChangeAspect="1"/>
+          </p:cNvPicPr>
+          <p:nvPr/>
+        </p:nvPicPr>
+        <p:blipFill>
+          <a:blip r:embed="rId2">
+            <a:extLst>
+              <a:ext uri="{28A0092B-C50C-407E-A947-70E740481C1C}">
+                <a14:useLocalDpi xmlns:a14="http://schemas.microsoft.com/office/drawing/2010/main" val="0"/>
+              </a:ext>
+            </a:extLst>
+          </a:blip>
+          <a:stretch>
+            <a:fillRect/>
+          </a:stretch>
+        </p:blipFill>
+        <p:spPr>
+          <a:xfrm>
+            <a:off x="1964238" y="1691322"/>
+            <a:ext cx="7789363" cy="5059885"/>
+          </a:xfrm>
+          <a:prstGeom prst="rect">
+            <a:avLst/>
+          </a:prstGeom>
+        </p:spPr>
+      </p:pic>
+    </p:spTree>
+    <p:extLst>
+      <p:ext uri="{BB962C8B-B14F-4D97-AF65-F5344CB8AC3E}">
+        <p14:creationId xmlns:p14="http://schemas.microsoft.com/office/powerpoint/2010/main" val="2767652613"/>
       </p:ext>
     </p:extLst>
   </p:cSld>

--- a/Documentation/Adaptation concepts.pptx
+++ b/Documentation/Adaptation concepts.pptx
@@ -14,8 +14,12 @@
     <p:sldId id="258" r:id="rId8"/>
     <p:sldId id="259" r:id="rId9"/>
     <p:sldId id="260" r:id="rId10"/>
-    <p:sldId id="261" r:id="rId11"/>
-    <p:sldId id="266" r:id="rId12"/>
+    <p:sldId id="267" r:id="rId11"/>
+    <p:sldId id="268" r:id="rId12"/>
+    <p:sldId id="269" r:id="rId13"/>
+    <p:sldId id="270" r:id="rId14"/>
+    <p:sldId id="261" r:id="rId15"/>
+    <p:sldId id="266" r:id="rId16"/>
   </p:sldIdLst>
   <p:sldSz cx="12192000" cy="6858000"/>
   <p:notesSz cx="6858000" cy="9144000"/>
@@ -290,7 +294,7 @@
           <a:p>
             <a:fld id="{F22D5B1E-1EBC-40C9-93C3-CD5C17527048}" type="datetimeFigureOut">
               <a:rPr lang="ru-RU" smtClean="0"/>
-              <a:t>08.12.2021</a:t>
+              <a:t>14.12.2021</a:t>
             </a:fld>
             <a:endParaRPr lang="ru-RU"/>
           </a:p>
@@ -518,7 +522,7 @@
           <a:p>
             <a:fld id="{F22D5B1E-1EBC-40C9-93C3-CD5C17527048}" type="datetimeFigureOut">
               <a:rPr lang="ru-RU" smtClean="0"/>
-              <a:t>08.12.2021</a:t>
+              <a:t>14.12.2021</a:t>
             </a:fld>
             <a:endParaRPr lang="ru-RU"/>
           </a:p>
@@ -698,7 +702,7 @@
           <a:p>
             <a:fld id="{F22D5B1E-1EBC-40C9-93C3-CD5C17527048}" type="datetimeFigureOut">
               <a:rPr lang="ru-RU" smtClean="0"/>
-              <a:t>08.12.2021</a:t>
+              <a:t>14.12.2021</a:t>
             </a:fld>
             <a:endParaRPr lang="ru-RU"/>
           </a:p>
@@ -868,7 +872,7 @@
           <a:p>
             <a:fld id="{F22D5B1E-1EBC-40C9-93C3-CD5C17527048}" type="datetimeFigureOut">
               <a:rPr lang="ru-RU" smtClean="0"/>
-              <a:t>08.12.2021</a:t>
+              <a:t>14.12.2021</a:t>
             </a:fld>
             <a:endParaRPr lang="ru-RU"/>
           </a:p>
@@ -1122,7 +1126,7 @@
           <a:p>
             <a:fld id="{F22D5B1E-1EBC-40C9-93C3-CD5C17527048}" type="datetimeFigureOut">
               <a:rPr lang="ru-RU" smtClean="0"/>
-              <a:t>08.12.2021</a:t>
+              <a:t>14.12.2021</a:t>
             </a:fld>
             <a:endParaRPr lang="ru-RU"/>
           </a:p>
@@ -1448,7 +1452,7 @@
           <a:p>
             <a:fld id="{F22D5B1E-1EBC-40C9-93C3-CD5C17527048}" type="datetimeFigureOut">
               <a:rPr lang="ru-RU" smtClean="0"/>
-              <a:t>08.12.2021</a:t>
+              <a:t>14.12.2021</a:t>
             </a:fld>
             <a:endParaRPr lang="ru-RU"/>
           </a:p>
@@ -1899,7 +1903,7 @@
           <a:p>
             <a:fld id="{F22D5B1E-1EBC-40C9-93C3-CD5C17527048}" type="datetimeFigureOut">
               <a:rPr lang="ru-RU" smtClean="0"/>
-              <a:t>08.12.2021</a:t>
+              <a:t>14.12.2021</a:t>
             </a:fld>
             <a:endParaRPr lang="ru-RU"/>
           </a:p>
@@ -2017,7 +2021,7 @@
           <a:p>
             <a:fld id="{F22D5B1E-1EBC-40C9-93C3-CD5C17527048}" type="datetimeFigureOut">
               <a:rPr lang="ru-RU" smtClean="0"/>
-              <a:t>08.12.2021</a:t>
+              <a:t>14.12.2021</a:t>
             </a:fld>
             <a:endParaRPr lang="ru-RU"/>
           </a:p>
@@ -2112,7 +2116,7 @@
           <a:p>
             <a:fld id="{F22D5B1E-1EBC-40C9-93C3-CD5C17527048}" type="datetimeFigureOut">
               <a:rPr lang="ru-RU" smtClean="0"/>
-              <a:t>08.12.2021</a:t>
+              <a:t>14.12.2021</a:t>
             </a:fld>
             <a:endParaRPr lang="ru-RU"/>
           </a:p>
@@ -2399,7 +2403,7 @@
           <a:p>
             <a:fld id="{F22D5B1E-1EBC-40C9-93C3-CD5C17527048}" type="datetimeFigureOut">
               <a:rPr lang="ru-RU" smtClean="0"/>
-              <a:t>08.12.2021</a:t>
+              <a:t>14.12.2021</a:t>
             </a:fld>
             <a:endParaRPr lang="ru-RU"/>
           </a:p>
@@ -2721,7 +2725,7 @@
           <a:p>
             <a:fld id="{F22D5B1E-1EBC-40C9-93C3-CD5C17527048}" type="datetimeFigureOut">
               <a:rPr lang="ru-RU" smtClean="0"/>
-              <a:t>08.12.2021</a:t>
+              <a:t>14.12.2021</a:t>
             </a:fld>
             <a:endParaRPr lang="ru-RU"/>
           </a:p>
@@ -2975,7 +2979,7 @@
           <a:p>
             <a:fld id="{F22D5B1E-1EBC-40C9-93C3-CD5C17527048}" type="datetimeFigureOut">
               <a:rPr lang="ru-RU" smtClean="0"/>
-              <a:t>08.12.2021</a:t>
+              <a:t>14.12.2021</a:t>
             </a:fld>
             <a:endParaRPr lang="ru-RU"/>
           </a:p>
@@ -3556,6 +3560,406 @@
           <p:cNvPr id="2" name="Заголовок 1">
             <a:extLst>
               <a:ext uri="{FF2B5EF4-FFF2-40B4-BE49-F238E27FC236}">
+                <a16:creationId xmlns:a16="http://schemas.microsoft.com/office/drawing/2014/main" id="{D9C75592-5187-4CA5-9FC4-6C6093FF239C}"/>
+              </a:ext>
+            </a:extLst>
+          </p:cNvPr>
+          <p:cNvSpPr>
+            <a:spLocks noGrp="1"/>
+          </p:cNvSpPr>
+          <p:nvPr>
+            <p:ph type="title"/>
+          </p:nvPr>
+        </p:nvSpPr>
+        <p:spPr>
+          <a:xfrm>
+            <a:off x="0" y="24377"/>
+            <a:ext cx="11261558" cy="809812"/>
+          </a:xfrm>
+        </p:spPr>
+        <p:txBody>
+          <a:bodyPr/>
+          <a:lstStyle/>
+          <a:p>
+            <a:r>
+              <a:rPr lang="en-US" dirty="0"/>
+              <a:t>UX Storyline: User leaves the apartment</a:t>
+            </a:r>
+            <a:endParaRPr lang="ru-RU" dirty="0"/>
+          </a:p>
+        </p:txBody>
+      </p:sp>
+      <p:pic>
+        <p:nvPicPr>
+          <p:cNvPr id="7" name="Рисунок 6">
+            <a:extLst>
+              <a:ext uri="{FF2B5EF4-FFF2-40B4-BE49-F238E27FC236}">
+                <a16:creationId xmlns:a16="http://schemas.microsoft.com/office/drawing/2014/main" id="{E4463C5F-9B23-44F8-8E04-F0217629EE4B}"/>
+              </a:ext>
+            </a:extLst>
+          </p:cNvPr>
+          <p:cNvPicPr>
+            <a:picLocks noChangeAspect="1"/>
+          </p:cNvPicPr>
+          <p:nvPr/>
+        </p:nvPicPr>
+        <p:blipFill>
+          <a:blip r:embed="rId2">
+            <a:extLst>
+              <a:ext uri="{28A0092B-C50C-407E-A947-70E740481C1C}">
+                <a14:useLocalDpi xmlns:a14="http://schemas.microsoft.com/office/drawing/2010/main" val="0"/>
+              </a:ext>
+            </a:extLst>
+          </a:blip>
+          <a:stretch>
+            <a:fillRect/>
+          </a:stretch>
+        </p:blipFill>
+        <p:spPr>
+          <a:xfrm>
+            <a:off x="2310868" y="834189"/>
+            <a:ext cx="7570264" cy="5921558"/>
+          </a:xfrm>
+          <a:prstGeom prst="rect">
+            <a:avLst/>
+          </a:prstGeom>
+        </p:spPr>
+      </p:pic>
+    </p:spTree>
+    <p:extLst>
+      <p:ext uri="{BB962C8B-B14F-4D97-AF65-F5344CB8AC3E}">
+        <p14:creationId xmlns:p14="http://schemas.microsoft.com/office/powerpoint/2010/main" val="1488192836"/>
+      </p:ext>
+    </p:extLst>
+  </p:cSld>
+  <p:clrMapOvr>
+    <a:masterClrMapping/>
+  </p:clrMapOvr>
+</p:sld>
+</file>
+
+<file path=ppt/slides/slide11.xml><?xml version="1.0" encoding="utf-8"?>
+<p:sld xmlns:a="http://schemas.openxmlformats.org/drawingml/2006/main" xmlns:r="http://schemas.openxmlformats.org/officeDocument/2006/relationships" xmlns:p="http://schemas.openxmlformats.org/presentationml/2006/main">
+  <p:cSld>
+    <p:spTree>
+      <p:nvGrpSpPr>
+        <p:cNvPr id="1" name=""/>
+        <p:cNvGrpSpPr/>
+        <p:nvPr/>
+      </p:nvGrpSpPr>
+      <p:grpSpPr>
+        <a:xfrm>
+          <a:off x="0" y="0"/>
+          <a:ext cx="0" cy="0"/>
+          <a:chOff x="0" y="0"/>
+          <a:chExt cx="0" cy="0"/>
+        </a:xfrm>
+      </p:grpSpPr>
+      <p:sp>
+        <p:nvSpPr>
+          <p:cNvPr id="2" name="Заголовок 1">
+            <a:extLst>
+              <a:ext uri="{FF2B5EF4-FFF2-40B4-BE49-F238E27FC236}">
+                <a16:creationId xmlns:a16="http://schemas.microsoft.com/office/drawing/2014/main" id="{D9C75592-5187-4CA5-9FC4-6C6093FF239C}"/>
+              </a:ext>
+            </a:extLst>
+          </p:cNvPr>
+          <p:cNvSpPr>
+            <a:spLocks noGrp="1"/>
+          </p:cNvSpPr>
+          <p:nvPr>
+            <p:ph type="title"/>
+          </p:nvPr>
+        </p:nvSpPr>
+        <p:spPr>
+          <a:xfrm>
+            <a:off x="0" y="24377"/>
+            <a:ext cx="11261558" cy="809812"/>
+          </a:xfrm>
+        </p:spPr>
+        <p:txBody>
+          <a:bodyPr/>
+          <a:lstStyle/>
+          <a:p>
+            <a:r>
+              <a:rPr lang="en-US" dirty="0"/>
+              <a:t>UX Storyline: Battery low</a:t>
+            </a:r>
+            <a:endParaRPr lang="ru-RU" dirty="0"/>
+          </a:p>
+        </p:txBody>
+      </p:sp>
+      <p:pic>
+        <p:nvPicPr>
+          <p:cNvPr id="4" name="Рисунок 3">
+            <a:extLst>
+              <a:ext uri="{FF2B5EF4-FFF2-40B4-BE49-F238E27FC236}">
+                <a16:creationId xmlns:a16="http://schemas.microsoft.com/office/drawing/2014/main" id="{622E82A0-3528-41DA-BA7F-9912D70B4A2B}"/>
+              </a:ext>
+            </a:extLst>
+          </p:cNvPr>
+          <p:cNvPicPr>
+            <a:picLocks noChangeAspect="1"/>
+          </p:cNvPicPr>
+          <p:nvPr/>
+        </p:nvPicPr>
+        <p:blipFill>
+          <a:blip r:embed="rId2">
+            <a:extLst>
+              <a:ext uri="{28A0092B-C50C-407E-A947-70E740481C1C}">
+                <a14:useLocalDpi xmlns:a14="http://schemas.microsoft.com/office/drawing/2010/main" val="0"/>
+              </a:ext>
+            </a:extLst>
+          </a:blip>
+          <a:stretch>
+            <a:fillRect/>
+          </a:stretch>
+        </p:blipFill>
+        <p:spPr>
+          <a:xfrm>
+            <a:off x="184484" y="834189"/>
+            <a:ext cx="10892589" cy="5816245"/>
+          </a:xfrm>
+          <a:prstGeom prst="rect">
+            <a:avLst/>
+          </a:prstGeom>
+        </p:spPr>
+      </p:pic>
+    </p:spTree>
+    <p:extLst>
+      <p:ext uri="{BB962C8B-B14F-4D97-AF65-F5344CB8AC3E}">
+        <p14:creationId xmlns:p14="http://schemas.microsoft.com/office/powerpoint/2010/main" val="3485918693"/>
+      </p:ext>
+    </p:extLst>
+  </p:cSld>
+  <p:clrMapOvr>
+    <a:masterClrMapping/>
+  </p:clrMapOvr>
+</p:sld>
+</file>
+
+<file path=ppt/slides/slide12.xml><?xml version="1.0" encoding="utf-8"?>
+<p:sld xmlns:a="http://schemas.openxmlformats.org/drawingml/2006/main" xmlns:r="http://schemas.openxmlformats.org/officeDocument/2006/relationships" xmlns:p="http://schemas.openxmlformats.org/presentationml/2006/main">
+  <p:cSld>
+    <p:spTree>
+      <p:nvGrpSpPr>
+        <p:cNvPr id="1" name=""/>
+        <p:cNvGrpSpPr/>
+        <p:nvPr/>
+      </p:nvGrpSpPr>
+      <p:grpSpPr>
+        <a:xfrm>
+          <a:off x="0" y="0"/>
+          <a:ext cx="0" cy="0"/>
+          <a:chOff x="0" y="0"/>
+          <a:chExt cx="0" cy="0"/>
+        </a:xfrm>
+      </p:grpSpPr>
+      <p:sp>
+        <p:nvSpPr>
+          <p:cNvPr id="2" name="Заголовок 1">
+            <a:extLst>
+              <a:ext uri="{FF2B5EF4-FFF2-40B4-BE49-F238E27FC236}">
+                <a16:creationId xmlns:a16="http://schemas.microsoft.com/office/drawing/2014/main" id="{8B441A96-4FCA-4BF5-B653-810C14AA7763}"/>
+              </a:ext>
+            </a:extLst>
+          </p:cNvPr>
+          <p:cNvSpPr>
+            <a:spLocks noGrp="1"/>
+          </p:cNvSpPr>
+          <p:nvPr>
+            <p:ph type="title"/>
+          </p:nvPr>
+        </p:nvSpPr>
+        <p:spPr>
+          <a:xfrm>
+            <a:off x="0" y="0"/>
+            <a:ext cx="11277600" cy="786063"/>
+          </a:xfrm>
+        </p:spPr>
+        <p:txBody>
+          <a:bodyPr/>
+          <a:lstStyle/>
+          <a:p>
+            <a:r>
+              <a:rPr lang="en-US" dirty="0"/>
+              <a:t>Context Model: Wi-Fi position tracking</a:t>
+            </a:r>
+            <a:endParaRPr lang="ru-RU" dirty="0"/>
+          </a:p>
+        </p:txBody>
+      </p:sp>
+      <p:pic>
+        <p:nvPicPr>
+          <p:cNvPr id="7" name="Рисунок 6">
+            <a:extLst>
+              <a:ext uri="{FF2B5EF4-FFF2-40B4-BE49-F238E27FC236}">
+                <a16:creationId xmlns:a16="http://schemas.microsoft.com/office/drawing/2014/main" id="{B07AF9E8-67FA-46E9-818F-F6DE5B799B0D}"/>
+              </a:ext>
+            </a:extLst>
+          </p:cNvPr>
+          <p:cNvPicPr>
+            <a:picLocks noChangeAspect="1"/>
+          </p:cNvPicPr>
+          <p:nvPr/>
+        </p:nvPicPr>
+        <p:blipFill>
+          <a:blip r:embed="rId2">
+            <a:extLst>
+              <a:ext uri="{28A0092B-C50C-407E-A947-70E740481C1C}">
+                <a14:useLocalDpi xmlns:a14="http://schemas.microsoft.com/office/drawing/2010/main" val="0"/>
+              </a:ext>
+            </a:extLst>
+          </a:blip>
+          <a:stretch>
+            <a:fillRect/>
+          </a:stretch>
+        </p:blipFill>
+        <p:spPr>
+          <a:xfrm>
+            <a:off x="2641930" y="786063"/>
+            <a:ext cx="6908139" cy="6063282"/>
+          </a:xfrm>
+          <a:prstGeom prst="rect">
+            <a:avLst/>
+          </a:prstGeom>
+        </p:spPr>
+      </p:pic>
+    </p:spTree>
+    <p:extLst>
+      <p:ext uri="{BB962C8B-B14F-4D97-AF65-F5344CB8AC3E}">
+        <p14:creationId xmlns:p14="http://schemas.microsoft.com/office/powerpoint/2010/main" val="1776924345"/>
+      </p:ext>
+    </p:extLst>
+  </p:cSld>
+  <p:clrMapOvr>
+    <a:masterClrMapping/>
+  </p:clrMapOvr>
+</p:sld>
+</file>
+
+<file path=ppt/slides/slide13.xml><?xml version="1.0" encoding="utf-8"?>
+<p:sld xmlns:a="http://schemas.openxmlformats.org/drawingml/2006/main" xmlns:r="http://schemas.openxmlformats.org/officeDocument/2006/relationships" xmlns:p="http://schemas.openxmlformats.org/presentationml/2006/main">
+  <p:cSld>
+    <p:spTree>
+      <p:nvGrpSpPr>
+        <p:cNvPr id="1" name=""/>
+        <p:cNvGrpSpPr/>
+        <p:nvPr/>
+      </p:nvGrpSpPr>
+      <p:grpSpPr>
+        <a:xfrm>
+          <a:off x="0" y="0"/>
+          <a:ext cx="0" cy="0"/>
+          <a:chOff x="0" y="0"/>
+          <a:chExt cx="0" cy="0"/>
+        </a:xfrm>
+      </p:grpSpPr>
+      <p:sp>
+        <p:nvSpPr>
+          <p:cNvPr id="2" name="Заголовок 1">
+            <a:extLst>
+              <a:ext uri="{FF2B5EF4-FFF2-40B4-BE49-F238E27FC236}">
+                <a16:creationId xmlns:a16="http://schemas.microsoft.com/office/drawing/2014/main" id="{8B441A96-4FCA-4BF5-B653-810C14AA7763}"/>
+              </a:ext>
+            </a:extLst>
+          </p:cNvPr>
+          <p:cNvSpPr>
+            <a:spLocks noGrp="1"/>
+          </p:cNvSpPr>
+          <p:nvPr>
+            <p:ph type="title"/>
+          </p:nvPr>
+        </p:nvSpPr>
+        <p:spPr>
+          <a:xfrm>
+            <a:off x="0" y="0"/>
+            <a:ext cx="11277600" cy="786063"/>
+          </a:xfrm>
+        </p:spPr>
+        <p:txBody>
+          <a:bodyPr/>
+          <a:lstStyle/>
+          <a:p>
+            <a:r>
+              <a:rPr lang="en-US" dirty="0"/>
+              <a:t>Context Model: Energy saving</a:t>
+            </a:r>
+            <a:endParaRPr lang="ru-RU" dirty="0"/>
+          </a:p>
+        </p:txBody>
+      </p:sp>
+      <p:pic>
+        <p:nvPicPr>
+          <p:cNvPr id="4" name="Рисунок 3">
+            <a:extLst>
+              <a:ext uri="{FF2B5EF4-FFF2-40B4-BE49-F238E27FC236}">
+                <a16:creationId xmlns:a16="http://schemas.microsoft.com/office/drawing/2014/main" id="{3C56475A-FFEE-4763-B0C1-76C28A4123D5}"/>
+              </a:ext>
+            </a:extLst>
+          </p:cNvPr>
+          <p:cNvPicPr>
+            <a:picLocks noChangeAspect="1"/>
+          </p:cNvPicPr>
+          <p:nvPr/>
+        </p:nvPicPr>
+        <p:blipFill>
+          <a:blip r:embed="rId2">
+            <a:extLst>
+              <a:ext uri="{28A0092B-C50C-407E-A947-70E740481C1C}">
+                <a14:useLocalDpi xmlns:a14="http://schemas.microsoft.com/office/drawing/2010/main" val="0"/>
+              </a:ext>
+            </a:extLst>
+          </a:blip>
+          <a:stretch>
+            <a:fillRect/>
+          </a:stretch>
+        </p:blipFill>
+        <p:spPr>
+          <a:xfrm>
+            <a:off x="1900420" y="920731"/>
+            <a:ext cx="7476759" cy="5818644"/>
+          </a:xfrm>
+          <a:prstGeom prst="rect">
+            <a:avLst/>
+          </a:prstGeom>
+        </p:spPr>
+      </p:pic>
+    </p:spTree>
+    <p:extLst>
+      <p:ext uri="{BB962C8B-B14F-4D97-AF65-F5344CB8AC3E}">
+        <p14:creationId xmlns:p14="http://schemas.microsoft.com/office/powerpoint/2010/main" val="3183973079"/>
+      </p:ext>
+    </p:extLst>
+  </p:cSld>
+  <p:clrMapOvr>
+    <a:masterClrMapping/>
+  </p:clrMapOvr>
+</p:sld>
+</file>
+
+<file path=ppt/slides/slide14.xml><?xml version="1.0" encoding="utf-8"?>
+<p:sld xmlns:a="http://schemas.openxmlformats.org/drawingml/2006/main" xmlns:r="http://schemas.openxmlformats.org/officeDocument/2006/relationships" xmlns:p="http://schemas.openxmlformats.org/presentationml/2006/main">
+  <p:cSld>
+    <p:spTree>
+      <p:nvGrpSpPr>
+        <p:cNvPr id="1" name=""/>
+        <p:cNvGrpSpPr/>
+        <p:nvPr/>
+      </p:nvGrpSpPr>
+      <p:grpSpPr>
+        <a:xfrm>
+          <a:off x="0" y="0"/>
+          <a:ext cx="0" cy="0"/>
+          <a:chOff x="0" y="0"/>
+          <a:chExt cx="0" cy="0"/>
+        </a:xfrm>
+      </p:grpSpPr>
+      <p:sp>
+        <p:nvSpPr>
+          <p:cNvPr id="2" name="Заголовок 1">
+            <a:extLst>
+              <a:ext uri="{FF2B5EF4-FFF2-40B4-BE49-F238E27FC236}">
                 <a16:creationId xmlns:a16="http://schemas.microsoft.com/office/drawing/2014/main" id="{BEEBFC87-214A-40A8-9AA2-A379068BFC35}"/>
               </a:ext>
             </a:extLst>
@@ -3629,7 +4033,7 @@
 </p:sld>
 </file>
 
-<file path=ppt/slides/slide11.xml><?xml version="1.0" encoding="utf-8"?>
+<file path=ppt/slides/slide15.xml><?xml version="1.0" encoding="utf-8"?>
 <p:sld xmlns:a="http://schemas.openxmlformats.org/drawingml/2006/main" xmlns:r="http://schemas.openxmlformats.org/officeDocument/2006/relationships" xmlns:p="http://schemas.openxmlformats.org/presentationml/2006/main">
   <p:cSld>
     <p:spTree>

--- a/Documentation/Adaptation concepts.pptx
+++ b/Documentation/Adaptation concepts.pptx
@@ -17,9 +17,8 @@
     <p:sldId id="267" r:id="rId11"/>
     <p:sldId id="268" r:id="rId12"/>
     <p:sldId id="269" r:id="rId13"/>
-    <p:sldId id="270" r:id="rId14"/>
-    <p:sldId id="261" r:id="rId15"/>
-    <p:sldId id="266" r:id="rId16"/>
+    <p:sldId id="261" r:id="rId14"/>
+    <p:sldId id="266" r:id="rId15"/>
   </p:sldIdLst>
   <p:sldSz cx="12192000" cy="6858000"/>
   <p:notesSz cx="6858000" cy="9144000"/>
@@ -294,7 +293,7 @@
           <a:p>
             <a:fld id="{F22D5B1E-1EBC-40C9-93C3-CD5C17527048}" type="datetimeFigureOut">
               <a:rPr lang="ru-RU" smtClean="0"/>
-              <a:t>14.12.2021</a:t>
+              <a:t>20.12.2021</a:t>
             </a:fld>
             <a:endParaRPr lang="ru-RU"/>
           </a:p>
@@ -522,7 +521,7 @@
           <a:p>
             <a:fld id="{F22D5B1E-1EBC-40C9-93C3-CD5C17527048}" type="datetimeFigureOut">
               <a:rPr lang="ru-RU" smtClean="0"/>
-              <a:t>14.12.2021</a:t>
+              <a:t>20.12.2021</a:t>
             </a:fld>
             <a:endParaRPr lang="ru-RU"/>
           </a:p>
@@ -702,7 +701,7 @@
           <a:p>
             <a:fld id="{F22D5B1E-1EBC-40C9-93C3-CD5C17527048}" type="datetimeFigureOut">
               <a:rPr lang="ru-RU" smtClean="0"/>
-              <a:t>14.12.2021</a:t>
+              <a:t>20.12.2021</a:t>
             </a:fld>
             <a:endParaRPr lang="ru-RU"/>
           </a:p>
@@ -872,7 +871,7 @@
           <a:p>
             <a:fld id="{F22D5B1E-1EBC-40C9-93C3-CD5C17527048}" type="datetimeFigureOut">
               <a:rPr lang="ru-RU" smtClean="0"/>
-              <a:t>14.12.2021</a:t>
+              <a:t>20.12.2021</a:t>
             </a:fld>
             <a:endParaRPr lang="ru-RU"/>
           </a:p>
@@ -1126,7 +1125,7 @@
           <a:p>
             <a:fld id="{F22D5B1E-1EBC-40C9-93C3-CD5C17527048}" type="datetimeFigureOut">
               <a:rPr lang="ru-RU" smtClean="0"/>
-              <a:t>14.12.2021</a:t>
+              <a:t>20.12.2021</a:t>
             </a:fld>
             <a:endParaRPr lang="ru-RU"/>
           </a:p>
@@ -1452,7 +1451,7 @@
           <a:p>
             <a:fld id="{F22D5B1E-1EBC-40C9-93C3-CD5C17527048}" type="datetimeFigureOut">
               <a:rPr lang="ru-RU" smtClean="0"/>
-              <a:t>14.12.2021</a:t>
+              <a:t>20.12.2021</a:t>
             </a:fld>
             <a:endParaRPr lang="ru-RU"/>
           </a:p>
@@ -1903,7 +1902,7 @@
           <a:p>
             <a:fld id="{F22D5B1E-1EBC-40C9-93C3-CD5C17527048}" type="datetimeFigureOut">
               <a:rPr lang="ru-RU" smtClean="0"/>
-              <a:t>14.12.2021</a:t>
+              <a:t>20.12.2021</a:t>
             </a:fld>
             <a:endParaRPr lang="ru-RU"/>
           </a:p>
@@ -2021,7 +2020,7 @@
           <a:p>
             <a:fld id="{F22D5B1E-1EBC-40C9-93C3-CD5C17527048}" type="datetimeFigureOut">
               <a:rPr lang="ru-RU" smtClean="0"/>
-              <a:t>14.12.2021</a:t>
+              <a:t>20.12.2021</a:t>
             </a:fld>
             <a:endParaRPr lang="ru-RU"/>
           </a:p>
@@ -2116,7 +2115,7 @@
           <a:p>
             <a:fld id="{F22D5B1E-1EBC-40C9-93C3-CD5C17527048}" type="datetimeFigureOut">
               <a:rPr lang="ru-RU" smtClean="0"/>
-              <a:t>14.12.2021</a:t>
+              <a:t>20.12.2021</a:t>
             </a:fld>
             <a:endParaRPr lang="ru-RU"/>
           </a:p>
@@ -2403,7 +2402,7 @@
           <a:p>
             <a:fld id="{F22D5B1E-1EBC-40C9-93C3-CD5C17527048}" type="datetimeFigureOut">
               <a:rPr lang="ru-RU" smtClean="0"/>
-              <a:t>14.12.2021</a:t>
+              <a:t>20.12.2021</a:t>
             </a:fld>
             <a:endParaRPr lang="ru-RU"/>
           </a:p>
@@ -2725,7 +2724,7 @@
           <a:p>
             <a:fld id="{F22D5B1E-1EBC-40C9-93C3-CD5C17527048}" type="datetimeFigureOut">
               <a:rPr lang="ru-RU" smtClean="0"/>
-              <a:t>14.12.2021</a:t>
+              <a:t>20.12.2021</a:t>
             </a:fld>
             <a:endParaRPr lang="ru-RU"/>
           </a:p>
@@ -2979,7 +2978,7 @@
           <a:p>
             <a:fld id="{F22D5B1E-1EBC-40C9-93C3-CD5C17527048}" type="datetimeFigureOut">
               <a:rPr lang="ru-RU" smtClean="0"/>
-              <a:t>14.12.2021</a:t>
+              <a:t>20.12.2021</a:t>
             </a:fld>
             <a:endParaRPr lang="ru-RU"/>
           </a:p>
@@ -3783,7 +3782,7 @@
           <a:p>
             <a:r>
               <a:rPr lang="en-US" dirty="0"/>
-              <a:t>Context Model: Wi-Fi position tracking</a:t>
+              <a:t>Context Model</a:t>
             </a:r>
             <a:endParaRPr lang="ru-RU" dirty="0"/>
           </a:p>
@@ -3791,10 +3790,10 @@
       </p:sp>
       <p:pic>
         <p:nvPicPr>
-          <p:cNvPr id="7" name="Рисунок 6">
+          <p:cNvPr id="6" name="Рисунок 5">
             <a:extLst>
               <a:ext uri="{FF2B5EF4-FFF2-40B4-BE49-F238E27FC236}">
-                <a16:creationId xmlns:a16="http://schemas.microsoft.com/office/drawing/2014/main" id="{B07AF9E8-67FA-46E9-818F-F6DE5B799B0D}"/>
+                <a16:creationId xmlns:a16="http://schemas.microsoft.com/office/drawing/2014/main" id="{2AAD3BA4-867D-4550-9532-D9EEEE6187A0}"/>
               </a:ext>
             </a:extLst>
           </p:cNvPr>
@@ -3817,8 +3816,8 @@
         </p:blipFill>
         <p:spPr>
           <a:xfrm>
-            <a:off x="2641930" y="786063"/>
-            <a:ext cx="6908139" cy="6063282"/>
+            <a:off x="914400" y="786063"/>
+            <a:ext cx="8566972" cy="5951621"/>
           </a:xfrm>
           <a:prstGeom prst="rect">
             <a:avLst/>
@@ -3839,106 +3838,6 @@
 </file>
 
 <file path=ppt/slides/slide13.xml><?xml version="1.0" encoding="utf-8"?>
-<p:sld xmlns:a="http://schemas.openxmlformats.org/drawingml/2006/main" xmlns:r="http://schemas.openxmlformats.org/officeDocument/2006/relationships" xmlns:p="http://schemas.openxmlformats.org/presentationml/2006/main">
-  <p:cSld>
-    <p:spTree>
-      <p:nvGrpSpPr>
-        <p:cNvPr id="1" name=""/>
-        <p:cNvGrpSpPr/>
-        <p:nvPr/>
-      </p:nvGrpSpPr>
-      <p:grpSpPr>
-        <a:xfrm>
-          <a:off x="0" y="0"/>
-          <a:ext cx="0" cy="0"/>
-          <a:chOff x="0" y="0"/>
-          <a:chExt cx="0" cy="0"/>
-        </a:xfrm>
-      </p:grpSpPr>
-      <p:sp>
-        <p:nvSpPr>
-          <p:cNvPr id="2" name="Заголовок 1">
-            <a:extLst>
-              <a:ext uri="{FF2B5EF4-FFF2-40B4-BE49-F238E27FC236}">
-                <a16:creationId xmlns:a16="http://schemas.microsoft.com/office/drawing/2014/main" id="{8B441A96-4FCA-4BF5-B653-810C14AA7763}"/>
-              </a:ext>
-            </a:extLst>
-          </p:cNvPr>
-          <p:cNvSpPr>
-            <a:spLocks noGrp="1"/>
-          </p:cNvSpPr>
-          <p:nvPr>
-            <p:ph type="title"/>
-          </p:nvPr>
-        </p:nvSpPr>
-        <p:spPr>
-          <a:xfrm>
-            <a:off x="0" y="0"/>
-            <a:ext cx="11277600" cy="786063"/>
-          </a:xfrm>
-        </p:spPr>
-        <p:txBody>
-          <a:bodyPr/>
-          <a:lstStyle/>
-          <a:p>
-            <a:r>
-              <a:rPr lang="en-US" dirty="0"/>
-              <a:t>Context Model: Energy saving</a:t>
-            </a:r>
-            <a:endParaRPr lang="ru-RU" dirty="0"/>
-          </a:p>
-        </p:txBody>
-      </p:sp>
-      <p:pic>
-        <p:nvPicPr>
-          <p:cNvPr id="4" name="Рисунок 3">
-            <a:extLst>
-              <a:ext uri="{FF2B5EF4-FFF2-40B4-BE49-F238E27FC236}">
-                <a16:creationId xmlns:a16="http://schemas.microsoft.com/office/drawing/2014/main" id="{3C56475A-FFEE-4763-B0C1-76C28A4123D5}"/>
-              </a:ext>
-            </a:extLst>
-          </p:cNvPr>
-          <p:cNvPicPr>
-            <a:picLocks noChangeAspect="1"/>
-          </p:cNvPicPr>
-          <p:nvPr/>
-        </p:nvPicPr>
-        <p:blipFill>
-          <a:blip r:embed="rId2">
-            <a:extLst>
-              <a:ext uri="{28A0092B-C50C-407E-A947-70E740481C1C}">
-                <a14:useLocalDpi xmlns:a14="http://schemas.microsoft.com/office/drawing/2010/main" val="0"/>
-              </a:ext>
-            </a:extLst>
-          </a:blip>
-          <a:stretch>
-            <a:fillRect/>
-          </a:stretch>
-        </p:blipFill>
-        <p:spPr>
-          <a:xfrm>
-            <a:off x="1900420" y="920731"/>
-            <a:ext cx="7476759" cy="5818644"/>
-          </a:xfrm>
-          <a:prstGeom prst="rect">
-            <a:avLst/>
-          </a:prstGeom>
-        </p:spPr>
-      </p:pic>
-    </p:spTree>
-    <p:extLst>
-      <p:ext uri="{BB962C8B-B14F-4D97-AF65-F5344CB8AC3E}">
-        <p14:creationId xmlns:p14="http://schemas.microsoft.com/office/powerpoint/2010/main" val="3183973079"/>
-      </p:ext>
-    </p:extLst>
-  </p:cSld>
-  <p:clrMapOvr>
-    <a:masterClrMapping/>
-  </p:clrMapOvr>
-</p:sld>
-</file>
-
-<file path=ppt/slides/slide14.xml><?xml version="1.0" encoding="utf-8"?>
 <p:sld xmlns:a="http://schemas.openxmlformats.org/drawingml/2006/main" xmlns:r="http://schemas.openxmlformats.org/officeDocument/2006/relationships" xmlns:p="http://schemas.openxmlformats.org/presentationml/2006/main">
   <p:cSld>
     <p:spTree>
@@ -4033,7 +3932,7 @@
 </p:sld>
 </file>
 
-<file path=ppt/slides/slide15.xml><?xml version="1.0" encoding="utf-8"?>
+<file path=ppt/slides/slide14.xml><?xml version="1.0" encoding="utf-8"?>
 <p:sld xmlns:a="http://schemas.openxmlformats.org/drawingml/2006/main" xmlns:r="http://schemas.openxmlformats.org/officeDocument/2006/relationships" xmlns:p="http://schemas.openxmlformats.org/presentationml/2006/main">
   <p:cSld>
     <p:spTree>

--- a/Documentation/Adaptation concepts.pptx
+++ b/Documentation/Adaptation concepts.pptx
@@ -293,7 +293,7 @@
           <a:p>
             <a:fld id="{F22D5B1E-1EBC-40C9-93C3-CD5C17527048}" type="datetimeFigureOut">
               <a:rPr lang="ru-RU" smtClean="0"/>
-              <a:t>20.12.2021</a:t>
+              <a:t>13.01.2022</a:t>
             </a:fld>
             <a:endParaRPr lang="ru-RU"/>
           </a:p>
@@ -521,7 +521,7 @@
           <a:p>
             <a:fld id="{F22D5B1E-1EBC-40C9-93C3-CD5C17527048}" type="datetimeFigureOut">
               <a:rPr lang="ru-RU" smtClean="0"/>
-              <a:t>20.12.2021</a:t>
+              <a:t>13.01.2022</a:t>
             </a:fld>
             <a:endParaRPr lang="ru-RU"/>
           </a:p>
@@ -701,7 +701,7 @@
           <a:p>
             <a:fld id="{F22D5B1E-1EBC-40C9-93C3-CD5C17527048}" type="datetimeFigureOut">
               <a:rPr lang="ru-RU" smtClean="0"/>
-              <a:t>20.12.2021</a:t>
+              <a:t>13.01.2022</a:t>
             </a:fld>
             <a:endParaRPr lang="ru-RU"/>
           </a:p>
@@ -871,7 +871,7 @@
           <a:p>
             <a:fld id="{F22D5B1E-1EBC-40C9-93C3-CD5C17527048}" type="datetimeFigureOut">
               <a:rPr lang="ru-RU" smtClean="0"/>
-              <a:t>20.12.2021</a:t>
+              <a:t>13.01.2022</a:t>
             </a:fld>
             <a:endParaRPr lang="ru-RU"/>
           </a:p>
@@ -1125,7 +1125,7 @@
           <a:p>
             <a:fld id="{F22D5B1E-1EBC-40C9-93C3-CD5C17527048}" type="datetimeFigureOut">
               <a:rPr lang="ru-RU" smtClean="0"/>
-              <a:t>20.12.2021</a:t>
+              <a:t>13.01.2022</a:t>
             </a:fld>
             <a:endParaRPr lang="ru-RU"/>
           </a:p>
@@ -1451,7 +1451,7 @@
           <a:p>
             <a:fld id="{F22D5B1E-1EBC-40C9-93C3-CD5C17527048}" type="datetimeFigureOut">
               <a:rPr lang="ru-RU" smtClean="0"/>
-              <a:t>20.12.2021</a:t>
+              <a:t>13.01.2022</a:t>
             </a:fld>
             <a:endParaRPr lang="ru-RU"/>
           </a:p>
@@ -1902,7 +1902,7 @@
           <a:p>
             <a:fld id="{F22D5B1E-1EBC-40C9-93C3-CD5C17527048}" type="datetimeFigureOut">
               <a:rPr lang="ru-RU" smtClean="0"/>
-              <a:t>20.12.2021</a:t>
+              <a:t>13.01.2022</a:t>
             </a:fld>
             <a:endParaRPr lang="ru-RU"/>
           </a:p>
@@ -2020,7 +2020,7 @@
           <a:p>
             <a:fld id="{F22D5B1E-1EBC-40C9-93C3-CD5C17527048}" type="datetimeFigureOut">
               <a:rPr lang="ru-RU" smtClean="0"/>
-              <a:t>20.12.2021</a:t>
+              <a:t>13.01.2022</a:t>
             </a:fld>
             <a:endParaRPr lang="ru-RU"/>
           </a:p>
@@ -2115,7 +2115,7 @@
           <a:p>
             <a:fld id="{F22D5B1E-1EBC-40C9-93C3-CD5C17527048}" type="datetimeFigureOut">
               <a:rPr lang="ru-RU" smtClean="0"/>
-              <a:t>20.12.2021</a:t>
+              <a:t>13.01.2022</a:t>
             </a:fld>
             <a:endParaRPr lang="ru-RU"/>
           </a:p>
@@ -2402,7 +2402,7 @@
           <a:p>
             <a:fld id="{F22D5B1E-1EBC-40C9-93C3-CD5C17527048}" type="datetimeFigureOut">
               <a:rPr lang="ru-RU" smtClean="0"/>
-              <a:t>20.12.2021</a:t>
+              <a:t>13.01.2022</a:t>
             </a:fld>
             <a:endParaRPr lang="ru-RU"/>
           </a:p>
@@ -2724,7 +2724,7 @@
           <a:p>
             <a:fld id="{F22D5B1E-1EBC-40C9-93C3-CD5C17527048}" type="datetimeFigureOut">
               <a:rPr lang="ru-RU" smtClean="0"/>
-              <a:t>20.12.2021</a:t>
+              <a:t>13.01.2022</a:t>
             </a:fld>
             <a:endParaRPr lang="ru-RU"/>
           </a:p>
@@ -2978,7 +2978,7 @@
           <a:p>
             <a:fld id="{F22D5B1E-1EBC-40C9-93C3-CD5C17527048}" type="datetimeFigureOut">
               <a:rPr lang="ru-RU" smtClean="0"/>
-              <a:t>20.12.2021</a:t>
+              <a:t>13.01.2022</a:t>
             </a:fld>
             <a:endParaRPr lang="ru-RU"/>
           </a:p>
@@ -3590,10 +3590,10 @@
       </p:sp>
       <p:pic>
         <p:nvPicPr>
-          <p:cNvPr id="7" name="Рисунок 6">
+          <p:cNvPr id="4" name="Рисунок 3">
             <a:extLst>
               <a:ext uri="{FF2B5EF4-FFF2-40B4-BE49-F238E27FC236}">
-                <a16:creationId xmlns:a16="http://schemas.microsoft.com/office/drawing/2014/main" id="{E4463C5F-9B23-44F8-8E04-F0217629EE4B}"/>
+                <a16:creationId xmlns:a16="http://schemas.microsoft.com/office/drawing/2014/main" id="{00A36306-8B1E-41E9-9CD5-E1657E167BA6}"/>
               </a:ext>
             </a:extLst>
           </p:cNvPr>
@@ -3616,8 +3616,8 @@
         </p:blipFill>
         <p:spPr>
           <a:xfrm>
-            <a:off x="2310868" y="834189"/>
-            <a:ext cx="7570264" cy="5921558"/>
+            <a:off x="2343057" y="834189"/>
+            <a:ext cx="7306269" cy="6019486"/>
           </a:xfrm>
           <a:prstGeom prst="rect">
             <a:avLst/>
@@ -3690,10 +3690,10 @@
       </p:sp>
       <p:pic>
         <p:nvPicPr>
-          <p:cNvPr id="4" name="Рисунок 3">
+          <p:cNvPr id="5" name="Рисунок 4">
             <a:extLst>
               <a:ext uri="{FF2B5EF4-FFF2-40B4-BE49-F238E27FC236}">
-                <a16:creationId xmlns:a16="http://schemas.microsoft.com/office/drawing/2014/main" id="{622E82A0-3528-41DA-BA7F-9912D70B4A2B}"/>
+                <a16:creationId xmlns:a16="http://schemas.microsoft.com/office/drawing/2014/main" id="{C547B918-2C6C-45A3-BC3F-D9EEDF22A475}"/>
               </a:ext>
             </a:extLst>
           </p:cNvPr>
@@ -3716,8 +3716,8 @@
         </p:blipFill>
         <p:spPr>
           <a:xfrm>
-            <a:off x="184484" y="834189"/>
-            <a:ext cx="10892589" cy="5816245"/>
+            <a:off x="192505" y="834189"/>
+            <a:ext cx="11069053" cy="5910470"/>
           </a:xfrm>
           <a:prstGeom prst="rect">
             <a:avLst/>
@@ -3885,10 +3885,10 @@
       </p:sp>
       <p:pic>
         <p:nvPicPr>
-          <p:cNvPr id="5" name="Рисунок 4">
+          <p:cNvPr id="4" name="Рисунок 3">
             <a:extLst>
               <a:ext uri="{FF2B5EF4-FFF2-40B4-BE49-F238E27FC236}">
-                <a16:creationId xmlns:a16="http://schemas.microsoft.com/office/drawing/2014/main" id="{E294AB1C-2235-4455-9B36-CDFAD0E0A636}"/>
+                <a16:creationId xmlns:a16="http://schemas.microsoft.com/office/drawing/2014/main" id="{B030AE28-B156-4BBA-A13F-ADB74B79B5D1}"/>
               </a:ext>
             </a:extLst>
           </p:cNvPr>
@@ -3911,8 +3911,8 @@
         </p:blipFill>
         <p:spPr>
           <a:xfrm>
-            <a:off x="1990742" y="1691322"/>
-            <a:ext cx="7789363" cy="5059885"/>
+            <a:off x="2184862" y="1691322"/>
+            <a:ext cx="7846659" cy="5097104"/>
           </a:xfrm>
           <a:prstGeom prst="rect">
             <a:avLst/>
